--- a/Railway Management  System.pptx
+++ b/Railway Management  System.pptx
@@ -5932,8 +5932,16 @@
           <a:p>
             <a:pPr lvl="1" algn="l"/>
             <a:r>
+              <a:rPr lang="ar-EG" sz="2000" dirty="0"/>
+              <a:t>-</a:t>
+            </a:r>
+            <a:r>
+              <a:rPr lang="en-US" sz="2000"/>
+              <a:t>Aly </a:t>
+            </a:r>
+            <a:r>
               <a:rPr lang="en-US" sz="2000" dirty="0"/>
-              <a:t>_Aly Abd El Haleem</a:t>
+              <a:t>Abd El Haleem</a:t>
             </a:r>
           </a:p>
           <a:p>

--- a/Railway Management  System.pptx
+++ b/Railway Management  System.pptx
@@ -5872,7 +5872,7 @@
           </a:xfrm>
           <a:ln>
             <a:solidFill>
-              <a:schemeClr val="tx2"/>
+              <a:schemeClr val="bg1"/>
             </a:solidFill>
           </a:ln>
         </p:spPr>
